--- a/slide/Java web - Servlet - section 02.pptx
+++ b/slide/Java web - Servlet - section 02.pptx
@@ -12077,19 +12077,17 @@
             </a:pPr>
             <a:r>
               <a:rPr lang="en-US" dirty="0"/>
-              <a:t>There are following 4 attribute specific methods. They are as </a:t>
-            </a:r>
-            <a:r>
-              <a:rPr lang="en-US" dirty="0" err="1"/>
-              <a:t>follows:</a:t>
-            </a:r>
-            <a:r>
-              <a:rPr lang="en-US" b="1" dirty="0" err="1"/>
-              <a:t>public</a:t>
-            </a:r>
+              <a:t>There are following 4 attribute specific methods. They are as follows:</a:t>
+            </a:r>
+          </a:p>
+          <a:p>
+            <a:pPr marL="488950" indent="-342900">
+              <a:buFont typeface="+mj-lt"/>
+              <a:buAutoNum type="arabicPeriod"/>
+            </a:pPr>
             <a:r>
               <a:rPr lang="en-US" b="1" dirty="0"/>
-              <a:t> void </a:t>
+              <a:t>public void </a:t>
             </a:r>
             <a:r>
               <a:rPr lang="en-US" b="1" dirty="0" err="1"/>
